--- a/DOCUMENTS/PresentationWireframes.pptx
+++ b/DOCUMENTS/PresentationWireframes.pptx
@@ -275,7 +275,7 @@
           <a:p>
             <a:fld id="{B4B37D6E-B8F5-4842-8CE8-3D78DE58D5CD}" type="datetimeFigureOut">
               <a:rPr lang="uk-UA" smtClean="0"/>
-              <a:t>06.10.2023</a:t>
+              <a:t>17.11.2023</a:t>
             </a:fld>
             <a:endParaRPr lang="uk-UA"/>
           </a:p>
@@ -473,7 +473,7 @@
           <a:p>
             <a:fld id="{B4B37D6E-B8F5-4842-8CE8-3D78DE58D5CD}" type="datetimeFigureOut">
               <a:rPr lang="uk-UA" smtClean="0"/>
-              <a:t>06.10.2023</a:t>
+              <a:t>17.11.2023</a:t>
             </a:fld>
             <a:endParaRPr lang="uk-UA"/>
           </a:p>
@@ -681,7 +681,7 @@
           <a:p>
             <a:fld id="{B4B37D6E-B8F5-4842-8CE8-3D78DE58D5CD}" type="datetimeFigureOut">
               <a:rPr lang="uk-UA" smtClean="0"/>
-              <a:t>06.10.2023</a:t>
+              <a:t>17.11.2023</a:t>
             </a:fld>
             <a:endParaRPr lang="uk-UA"/>
           </a:p>
@@ -879,7 +879,7 @@
           <a:p>
             <a:fld id="{B4B37D6E-B8F5-4842-8CE8-3D78DE58D5CD}" type="datetimeFigureOut">
               <a:rPr lang="uk-UA" smtClean="0"/>
-              <a:t>06.10.2023</a:t>
+              <a:t>17.11.2023</a:t>
             </a:fld>
             <a:endParaRPr lang="uk-UA"/>
           </a:p>
@@ -1154,7 +1154,7 @@
           <a:p>
             <a:fld id="{B4B37D6E-B8F5-4842-8CE8-3D78DE58D5CD}" type="datetimeFigureOut">
               <a:rPr lang="uk-UA" smtClean="0"/>
-              <a:t>06.10.2023</a:t>
+              <a:t>17.11.2023</a:t>
             </a:fld>
             <a:endParaRPr lang="uk-UA"/>
           </a:p>
@@ -1419,7 +1419,7 @@
           <a:p>
             <a:fld id="{B4B37D6E-B8F5-4842-8CE8-3D78DE58D5CD}" type="datetimeFigureOut">
               <a:rPr lang="uk-UA" smtClean="0"/>
-              <a:t>06.10.2023</a:t>
+              <a:t>17.11.2023</a:t>
             </a:fld>
             <a:endParaRPr lang="uk-UA"/>
           </a:p>
@@ -1831,7 +1831,7 @@
           <a:p>
             <a:fld id="{B4B37D6E-B8F5-4842-8CE8-3D78DE58D5CD}" type="datetimeFigureOut">
               <a:rPr lang="uk-UA" smtClean="0"/>
-              <a:t>06.10.2023</a:t>
+              <a:t>17.11.2023</a:t>
             </a:fld>
             <a:endParaRPr lang="uk-UA"/>
           </a:p>
@@ -1972,7 +1972,7 @@
           <a:p>
             <a:fld id="{B4B37D6E-B8F5-4842-8CE8-3D78DE58D5CD}" type="datetimeFigureOut">
               <a:rPr lang="uk-UA" smtClean="0"/>
-              <a:t>06.10.2023</a:t>
+              <a:t>17.11.2023</a:t>
             </a:fld>
             <a:endParaRPr lang="uk-UA"/>
           </a:p>
@@ -2085,7 +2085,7 @@
           <a:p>
             <a:fld id="{B4B37D6E-B8F5-4842-8CE8-3D78DE58D5CD}" type="datetimeFigureOut">
               <a:rPr lang="uk-UA" smtClean="0"/>
-              <a:t>06.10.2023</a:t>
+              <a:t>17.11.2023</a:t>
             </a:fld>
             <a:endParaRPr lang="uk-UA"/>
           </a:p>
@@ -2396,7 +2396,7 @@
           <a:p>
             <a:fld id="{B4B37D6E-B8F5-4842-8CE8-3D78DE58D5CD}" type="datetimeFigureOut">
               <a:rPr lang="uk-UA" smtClean="0"/>
-              <a:t>06.10.2023</a:t>
+              <a:t>17.11.2023</a:t>
             </a:fld>
             <a:endParaRPr lang="uk-UA"/>
           </a:p>
@@ -2684,7 +2684,7 @@
           <a:p>
             <a:fld id="{B4B37D6E-B8F5-4842-8CE8-3D78DE58D5CD}" type="datetimeFigureOut">
               <a:rPr lang="uk-UA" smtClean="0"/>
-              <a:t>06.10.2023</a:t>
+              <a:t>17.11.2023</a:t>
             </a:fld>
             <a:endParaRPr lang="uk-UA"/>
           </a:p>
@@ -2925,7 +2925,7 @@
           <a:p>
             <a:fld id="{B4B37D6E-B8F5-4842-8CE8-3D78DE58D5CD}" type="datetimeFigureOut">
               <a:rPr lang="uk-UA" smtClean="0"/>
-              <a:t>06.10.2023</a:t>
+              <a:t>17.11.2023</a:t>
             </a:fld>
             <a:endParaRPr lang="uk-UA"/>
           </a:p>
@@ -4104,6 +4104,174 @@
           </a:prstGeom>
         </p:spPr>
       </p:pic>
+      <p:pic>
+        <p:nvPicPr>
+          <p:cNvPr id="4" name="Рисунок 3"/>
+          <p:cNvPicPr>
+            <a:picLocks noChangeAspect="1"/>
+          </p:cNvPicPr>
+          <p:nvPr/>
+        </p:nvPicPr>
+        <p:blipFill>
+          <a:blip r:embed="rId3"/>
+          <a:stretch>
+            <a:fillRect/>
+          </a:stretch>
+        </p:blipFill>
+        <p:spPr>
+          <a:xfrm>
+            <a:off x="7508504" y="3001797"/>
+            <a:ext cx="261515" cy="116488"/>
+          </a:xfrm>
+          <a:prstGeom prst="rect">
+            <a:avLst/>
+          </a:prstGeom>
+        </p:spPr>
+      </p:pic>
+      <p:pic>
+        <p:nvPicPr>
+          <p:cNvPr id="5" name="Рисунок 4"/>
+          <p:cNvPicPr>
+            <a:picLocks noChangeAspect="1"/>
+          </p:cNvPicPr>
+          <p:nvPr/>
+        </p:nvPicPr>
+        <p:blipFill>
+          <a:blip r:embed="rId3"/>
+          <a:stretch>
+            <a:fillRect/>
+          </a:stretch>
+        </p:blipFill>
+        <p:spPr>
+          <a:xfrm>
+            <a:off x="7508504" y="3562813"/>
+            <a:ext cx="261515" cy="116488"/>
+          </a:xfrm>
+          <a:prstGeom prst="rect">
+            <a:avLst/>
+          </a:prstGeom>
+        </p:spPr>
+      </p:pic>
+      <p:pic>
+        <p:nvPicPr>
+          <p:cNvPr id="8" name="Рисунок 7"/>
+          <p:cNvPicPr>
+            <a:picLocks noChangeAspect="1"/>
+          </p:cNvPicPr>
+          <p:nvPr/>
+        </p:nvPicPr>
+        <p:blipFill>
+          <a:blip r:embed="rId3"/>
+          <a:stretch>
+            <a:fillRect/>
+          </a:stretch>
+        </p:blipFill>
+        <p:spPr>
+          <a:xfrm>
+            <a:off x="7508503" y="4149559"/>
+            <a:ext cx="261515" cy="116488"/>
+          </a:xfrm>
+          <a:prstGeom prst="rect">
+            <a:avLst/>
+          </a:prstGeom>
+        </p:spPr>
+      </p:pic>
+      <p:pic>
+        <p:nvPicPr>
+          <p:cNvPr id="9" name="Рисунок 8"/>
+          <p:cNvPicPr>
+            <a:picLocks noChangeAspect="1"/>
+          </p:cNvPicPr>
+          <p:nvPr/>
+        </p:nvPicPr>
+        <p:blipFill>
+          <a:blip r:embed="rId3"/>
+          <a:stretch>
+            <a:fillRect/>
+          </a:stretch>
+        </p:blipFill>
+        <p:spPr>
+          <a:xfrm>
+            <a:off x="7508502" y="4713091"/>
+            <a:ext cx="261515" cy="116488"/>
+          </a:xfrm>
+          <a:prstGeom prst="rect">
+            <a:avLst/>
+          </a:prstGeom>
+        </p:spPr>
+      </p:pic>
+      <p:pic>
+        <p:nvPicPr>
+          <p:cNvPr id="10" name="Рисунок 9"/>
+          <p:cNvPicPr>
+            <a:picLocks noChangeAspect="1"/>
+          </p:cNvPicPr>
+          <p:nvPr/>
+        </p:nvPicPr>
+        <p:blipFill>
+          <a:blip r:embed="rId4"/>
+          <a:stretch>
+            <a:fillRect/>
+          </a:stretch>
+        </p:blipFill>
+        <p:spPr>
+          <a:xfrm>
+            <a:off x="7508502" y="3283568"/>
+            <a:ext cx="261515" cy="115955"/>
+          </a:xfrm>
+          <a:prstGeom prst="rect">
+            <a:avLst/>
+          </a:prstGeom>
+        </p:spPr>
+      </p:pic>
+      <p:pic>
+        <p:nvPicPr>
+          <p:cNvPr id="11" name="Рисунок 10"/>
+          <p:cNvPicPr>
+            <a:picLocks noChangeAspect="1"/>
+          </p:cNvPicPr>
+          <p:nvPr/>
+        </p:nvPicPr>
+        <p:blipFill>
+          <a:blip r:embed="rId4"/>
+          <a:stretch>
+            <a:fillRect/>
+          </a:stretch>
+        </p:blipFill>
+        <p:spPr>
+          <a:xfrm>
+            <a:off x="7506119" y="4429336"/>
+            <a:ext cx="261515" cy="115955"/>
+          </a:xfrm>
+          <a:prstGeom prst="rect">
+            <a:avLst/>
+          </a:prstGeom>
+        </p:spPr>
+      </p:pic>
+      <p:pic>
+        <p:nvPicPr>
+          <p:cNvPr id="12" name="Рисунок 11"/>
+          <p:cNvPicPr>
+            <a:picLocks noChangeAspect="1"/>
+          </p:cNvPicPr>
+          <p:nvPr/>
+        </p:nvPicPr>
+        <p:blipFill>
+          <a:blip r:embed="rId4"/>
+          <a:stretch>
+            <a:fillRect/>
+          </a:stretch>
+        </p:blipFill>
+        <p:spPr>
+          <a:xfrm>
+            <a:off x="7508502" y="3856452"/>
+            <a:ext cx="261515" cy="115955"/>
+          </a:xfrm>
+          <a:prstGeom prst="rect">
+            <a:avLst/>
+          </a:prstGeom>
+        </p:spPr>
+      </p:pic>
     </p:spTree>
     <p:extLst>
       <p:ext uri="{BB962C8B-B14F-4D97-AF65-F5344CB8AC3E}">
@@ -4236,6 +4404,30 @@
           </a:prstGeom>
         </p:spPr>
       </p:pic>
+      <p:pic>
+        <p:nvPicPr>
+          <p:cNvPr id="2" name="Рисунок 1"/>
+          <p:cNvPicPr>
+            <a:picLocks noChangeAspect="1"/>
+          </p:cNvPicPr>
+          <p:nvPr/>
+        </p:nvPicPr>
+        <p:blipFill>
+          <a:blip r:embed="rId3"/>
+          <a:stretch>
+            <a:fillRect/>
+          </a:stretch>
+        </p:blipFill>
+        <p:spPr>
+          <a:xfrm>
+            <a:off x="8063468" y="5016237"/>
+            <a:ext cx="1063864" cy="271960"/>
+          </a:xfrm>
+          <a:prstGeom prst="rect">
+            <a:avLst/>
+          </a:prstGeom>
+        </p:spPr>
+      </p:pic>
     </p:spTree>
     <p:extLst>
       <p:ext uri="{BB962C8B-B14F-4D97-AF65-F5344CB8AC3E}">
@@ -4296,6 +4488,30 @@
           <a:xfrm>
             <a:off x="2666975" y="1047732"/>
             <a:ext cx="6858050" cy="4762535"/>
+          </a:xfrm>
+          <a:prstGeom prst="rect">
+            <a:avLst/>
+          </a:prstGeom>
+        </p:spPr>
+      </p:pic>
+      <p:pic>
+        <p:nvPicPr>
+          <p:cNvPr id="2" name="Рисунок 1"/>
+          <p:cNvPicPr>
+            <a:picLocks noChangeAspect="1"/>
+          </p:cNvPicPr>
+          <p:nvPr/>
+        </p:nvPicPr>
+        <p:blipFill>
+          <a:blip r:embed="rId3"/>
+          <a:stretch>
+            <a:fillRect/>
+          </a:stretch>
+        </p:blipFill>
+        <p:spPr>
+          <a:xfrm>
+            <a:off x="8056663" y="5010000"/>
+            <a:ext cx="1077812" cy="275526"/>
           </a:xfrm>
           <a:prstGeom prst="rect">
             <a:avLst/>
@@ -4362,6 +4578,30 @@
           <a:xfrm>
             <a:off x="2666975" y="1047732"/>
             <a:ext cx="6858050" cy="4762535"/>
+          </a:xfrm>
+          <a:prstGeom prst="rect">
+            <a:avLst/>
+          </a:prstGeom>
+        </p:spPr>
+      </p:pic>
+      <p:pic>
+        <p:nvPicPr>
+          <p:cNvPr id="2" name="Рисунок 1"/>
+          <p:cNvPicPr>
+            <a:picLocks noChangeAspect="1"/>
+          </p:cNvPicPr>
+          <p:nvPr/>
+        </p:nvPicPr>
+        <p:blipFill>
+          <a:blip r:embed="rId3"/>
+          <a:stretch>
+            <a:fillRect/>
+          </a:stretch>
+        </p:blipFill>
+        <p:spPr>
+          <a:xfrm>
+            <a:off x="8062719" y="5017777"/>
+            <a:ext cx="1045562" cy="267281"/>
           </a:xfrm>
           <a:prstGeom prst="rect">
             <a:avLst/>
